--- a/dotnetcore3.pptx
+++ b/dotnetcore3.pptx
@@ -5364,11 +5364,7 @@
           <a:p>
             <a:r>
               <a:rPr lang="en-US" dirty="0" smtClean="0"/>
-              <a:t>C#8, </a:t>
-            </a:r>
-            <a:r>
-              <a:rPr lang="en-US" dirty="0" smtClean="0"/>
-              <a:t>EF Core 3, </a:t>
+              <a:t>C#8, EF Core 3, </a:t>
             </a:r>
             <a:r>
               <a:rPr lang="en-US" dirty="0" err="1" smtClean="0"/>
@@ -5376,11 +5372,7 @@
             </a:r>
             <a:r>
               <a:rPr lang="en-US" dirty="0" smtClean="0"/>
-              <a:t> </a:t>
-            </a:r>
-            <a:r>
-              <a:rPr lang="en-US" dirty="0" smtClean="0"/>
-              <a:t>runtimes/</a:t>
+              <a:t> runtimes/</a:t>
             </a:r>
             <a:r>
               <a:rPr lang="en-US" dirty="0" err="1" smtClean="0"/>
@@ -5654,7 +5646,23 @@
           <a:bodyPr/>
           <a:lstStyle/>
           <a:p>
-            <a:endParaRPr lang="en-US"/>
+            <a:r>
+              <a:rPr lang="en-US" dirty="0" smtClean="0"/>
+              <a:t>Example code and presentation available at </a:t>
+            </a:r>
+            <a:r>
+              <a:rPr lang="en-US" dirty="0" smtClean="0">
+                <a:hlinkClick r:id="rId2"/>
+              </a:rPr>
+              <a:t>https</a:t>
+            </a:r>
+            <a:r>
+              <a:rPr lang="en-US" dirty="0">
+                <a:hlinkClick r:id="rId2"/>
+              </a:rPr>
+              <a:t>://github.com/jacerhea/DotNetCore3</a:t>
+            </a:r>
+            <a:endParaRPr lang="en-US" dirty="0"/>
           </a:p>
         </p:txBody>
       </p:sp>
@@ -5985,11 +5993,7 @@
           <a:p>
             <a:r>
               <a:rPr lang="en-US" dirty="0" smtClean="0"/>
-              <a:t>HTTP/2 </a:t>
-            </a:r>
-            <a:r>
-              <a:rPr lang="en-US" dirty="0" smtClean="0"/>
-              <a:t>Support</a:t>
+              <a:t>HTTP/2 Support</a:t>
             </a:r>
           </a:p>
           <a:p>
@@ -5998,7 +6002,6 @@
               <a:rPr lang="en-US" dirty="0" smtClean="0"/>
               <a:t>Push and pull, multiplexing, compression, SSL only (effectively)</a:t>
             </a:r>
-            <a:endParaRPr lang="en-US" dirty="0" smtClean="0"/>
           </a:p>
           <a:p>
             <a:r>
@@ -6278,7 +6281,6 @@
               <a:rPr lang="en-US" b="1" u="sng" dirty="0" smtClean="0"/>
               <a:t>Cool new features</a:t>
             </a:r>
-            <a:endParaRPr lang="en-US" b="1" u="sng" dirty="0" smtClean="0"/>
           </a:p>
           <a:p>
             <a:r>
@@ -6487,7 +6489,6 @@
               <a:rPr lang="en-US" b="1" u="sng" dirty="0" smtClean="0"/>
               <a:t>Meh new features</a:t>
             </a:r>
-            <a:endParaRPr lang="en-US" b="1" u="sng" dirty="0" smtClean="0"/>
           </a:p>
           <a:p>
             <a:r>
@@ -6750,7 +6751,6 @@
               <a:rPr lang="en-US" dirty="0" smtClean="0"/>
               <a:t>interop</a:t>
             </a:r>
-            <a:endParaRPr lang="en-US" dirty="0" smtClean="0"/>
           </a:p>
         </p:txBody>
       </p:sp>
